--- a/SG_Esitys.pptx
+++ b/SG_Esitys.pptx
@@ -8,8 +8,9 @@
     <p:sldId id="256" r:id="rId2"/>
     <p:sldId id="262" r:id="rId3"/>
     <p:sldId id="257" r:id="rId4"/>
-    <p:sldId id="263" r:id="rId5"/>
-    <p:sldId id="264" r:id="rId6"/>
+    <p:sldId id="264" r:id="rId5"/>
+    <p:sldId id="263" r:id="rId6"/>
+    <p:sldId id="265" r:id="rId7"/>
   </p:sldIdLst>
   <p:sldSz cx="12192000" cy="6858000"/>
   <p:notesSz cx="6858000" cy="9144000"/>
@@ -108,6 +109,11 @@
       </a:defRPr>
     </a:lvl9pPr>
   </p:defaultTextStyle>
+  <p:extLst>
+    <p:ext uri="{EFAFB233-063F-42B5-8137-9DF3F51BA10A}">
+      <p15:sldGuideLst xmlns:p15="http://schemas.microsoft.com/office/powerpoint/2012/main"/>
+    </p:ext>
+  </p:extLst>
 </p:presentation>
 </file>
 
@@ -3302,85 +3308,6 @@
           <a:p>
             <a:r>
               <a:rPr lang="fi-FI" dirty="0" smtClean="0"/>
-              <a:t>GET-toiminnallisuus</a:t>
-            </a:r>
-            <a:endParaRPr lang="fi-FI" dirty="0"/>
-          </a:p>
-        </p:txBody>
-      </p:sp>
-      <p:sp>
-        <p:nvSpPr>
-          <p:cNvPr id="3" name="Content Placeholder 2"/>
-          <p:cNvSpPr>
-            <a:spLocks noGrp="1"/>
-          </p:cNvSpPr>
-          <p:nvPr>
-            <p:ph idx="1"/>
-          </p:nvPr>
-        </p:nvSpPr>
-        <p:spPr/>
-        <p:txBody>
-          <a:bodyPr/>
-          <a:lstStyle/>
-          <a:p>
-            <a:endParaRPr lang="fi-FI" dirty="0"/>
-          </a:p>
-        </p:txBody>
-      </p:sp>
-    </p:spTree>
-    <p:extLst>
-      <p:ext uri="{BB962C8B-B14F-4D97-AF65-F5344CB8AC3E}">
-        <p14:creationId xmlns:p14="http://schemas.microsoft.com/office/powerpoint/2010/main" val="2167640879"/>
-      </p:ext>
-    </p:extLst>
-  </p:cSld>
-  <p:clrMapOvr>
-    <a:masterClrMapping/>
-  </p:clrMapOvr>
-  <p:timing>
-    <p:tnLst>
-      <p:par>
-        <p:cTn id="1" dur="indefinite" restart="never" nodeType="tmRoot"/>
-      </p:par>
-    </p:tnLst>
-  </p:timing>
-</p:sld>
-</file>
-
-<file path=ppt/slides/slide5.xml><?xml version="1.0" encoding="utf-8"?>
-<p:sld xmlns:a="http://schemas.openxmlformats.org/drawingml/2006/main" xmlns:r="http://schemas.openxmlformats.org/officeDocument/2006/relationships" xmlns:p="http://schemas.openxmlformats.org/presentationml/2006/main">
-  <p:cSld>
-    <p:spTree>
-      <p:nvGrpSpPr>
-        <p:cNvPr id="1" name=""/>
-        <p:cNvGrpSpPr/>
-        <p:nvPr/>
-      </p:nvGrpSpPr>
-      <p:grpSpPr>
-        <a:xfrm>
-          <a:off x="0" y="0"/>
-          <a:ext cx="0" cy="0"/>
-          <a:chOff x="0" y="0"/>
-          <a:chExt cx="0" cy="0"/>
-        </a:xfrm>
-      </p:grpSpPr>
-      <p:sp>
-        <p:nvSpPr>
-          <p:cNvPr id="2" name="Title 1"/>
-          <p:cNvSpPr>
-            <a:spLocks noGrp="1"/>
-          </p:cNvSpPr>
-          <p:nvPr>
-            <p:ph type="title"/>
-          </p:nvPr>
-        </p:nvSpPr>
-        <p:spPr/>
-        <p:txBody>
-          <a:bodyPr/>
-          <a:lstStyle/>
-          <a:p>
-            <a:r>
-              <a:rPr lang="fi-FI" dirty="0" smtClean="0"/>
               <a:t>Käsitekaavio</a:t>
             </a:r>
             <a:endParaRPr lang="fi-FI" dirty="0"/>
@@ -3433,6 +3360,334 @@
       </p:par>
     </p:tnLst>
   </p:timing>
+</p:sld>
+</file>
+
+<file path=ppt/slides/slide5.xml><?xml version="1.0" encoding="utf-8"?>
+<p:sld xmlns:a="http://schemas.openxmlformats.org/drawingml/2006/main" xmlns:r="http://schemas.openxmlformats.org/officeDocument/2006/relationships" xmlns:p="http://schemas.openxmlformats.org/presentationml/2006/main">
+  <p:cSld>
+    <p:spTree>
+      <p:nvGrpSpPr>
+        <p:cNvPr id="1" name=""/>
+        <p:cNvGrpSpPr/>
+        <p:nvPr/>
+      </p:nvGrpSpPr>
+      <p:grpSpPr>
+        <a:xfrm>
+          <a:off x="0" y="0"/>
+          <a:ext cx="0" cy="0"/>
+          <a:chOff x="0" y="0"/>
+          <a:chExt cx="0" cy="0"/>
+        </a:xfrm>
+      </p:grpSpPr>
+      <p:sp>
+        <p:nvSpPr>
+          <p:cNvPr id="2" name="Title 1"/>
+          <p:cNvSpPr>
+            <a:spLocks noGrp="1"/>
+          </p:cNvSpPr>
+          <p:nvPr>
+            <p:ph type="title"/>
+          </p:nvPr>
+        </p:nvSpPr>
+        <p:spPr>
+          <a:xfrm>
+            <a:off x="937374" y="423949"/>
+            <a:ext cx="9369021" cy="1147142"/>
+          </a:xfrm>
+        </p:spPr>
+        <p:txBody>
+          <a:bodyPr/>
+          <a:lstStyle/>
+          <a:p>
+            <a:r>
+              <a:rPr lang="fi-FI" dirty="0" smtClean="0"/>
+              <a:t>GET-toiminnallisuus</a:t>
+            </a:r>
+            <a:endParaRPr lang="fi-FI" dirty="0"/>
+          </a:p>
+        </p:txBody>
+      </p:sp>
+      <p:sp>
+        <p:nvSpPr>
+          <p:cNvPr id="6" name="Text Placeholder 5"/>
+          <p:cNvSpPr>
+            <a:spLocks noGrp="1"/>
+          </p:cNvSpPr>
+          <p:nvPr>
+            <p:ph type="body" idx="1"/>
+          </p:nvPr>
+        </p:nvSpPr>
+        <p:spPr>
+          <a:xfrm>
+            <a:off x="1391400" y="1896004"/>
+            <a:ext cx="6859964" cy="2929885"/>
+          </a:xfrm>
+        </p:spPr>
+        <p:txBody>
+          <a:bodyPr>
+            <a:normAutofit/>
+          </a:bodyPr>
+          <a:lstStyle/>
+          <a:p>
+            <a:r>
+              <a:rPr lang="fi-FI" smtClean="0"/>
+              <a:t>                       Yksi </a:t>
+            </a:r>
+            <a:r>
+              <a:rPr lang="fi-FI" dirty="0" smtClean="0"/>
+              <a:t>kysymys:</a:t>
+            </a:r>
+          </a:p>
+          <a:p>
+            <a:endParaRPr lang="fi-FI" dirty="0"/>
+          </a:p>
+          <a:p>
+            <a:r>
+              <a:rPr lang="fi-FI" dirty="0" smtClean="0">
+                <a:hlinkClick r:id="rId2" action="ppaction://hlinkfile"/>
+              </a:rPr>
+              <a:t>URL:n</a:t>
+            </a:r>
+            <a:r>
+              <a:rPr lang="fi-FI" dirty="0" smtClean="0"/>
+              <a:t> viimeinen numero</a:t>
+            </a:r>
+          </a:p>
+          <a:p>
+            <a:r>
+              <a:rPr lang="fi-FI" dirty="0" smtClean="0"/>
+              <a:t>Vastaa </a:t>
+            </a:r>
+            <a:r>
+              <a:rPr lang="fi-FI" dirty="0" err="1" smtClean="0"/>
+              <a:t>question_id:tä</a:t>
+            </a:r>
+            <a:endParaRPr lang="fi-FI" dirty="0"/>
+          </a:p>
+          <a:p>
+            <a:endParaRPr lang="fi-FI" dirty="0" smtClean="0"/>
+          </a:p>
+          <a:p>
+            <a:endParaRPr lang="fi-FI" dirty="0" smtClean="0"/>
+          </a:p>
+          <a:p>
+            <a:endParaRPr lang="fi-FI" dirty="0"/>
+          </a:p>
+          <a:p>
+            <a:endParaRPr lang="fi-FI" dirty="0" smtClean="0"/>
+          </a:p>
+          <a:p>
+            <a:endParaRPr lang="fi-FI" dirty="0"/>
+          </a:p>
+        </p:txBody>
+      </p:sp>
+      <p:pic>
+        <p:nvPicPr>
+          <p:cNvPr id="4" name="Content Placeholder 3"/>
+          <p:cNvPicPr>
+            <a:picLocks noGrp="1" noChangeAspect="1"/>
+          </p:cNvPicPr>
+          <p:nvPr>
+            <p:ph idx="4294967295"/>
+          </p:nvPr>
+        </p:nvPicPr>
+        <p:blipFill>
+          <a:blip r:embed="rId3">
+            <a:extLst>
+              <a:ext uri="{28A0092B-C50C-407E-A947-70E740481C1C}">
+                <a14:useLocalDpi xmlns:a14="http://schemas.microsoft.com/office/drawing/2010/main" val="0"/>
+              </a:ext>
+            </a:extLst>
+          </a:blip>
+          <a:stretch>
+            <a:fillRect/>
+          </a:stretch>
+        </p:blipFill>
+        <p:spPr>
+          <a:xfrm>
+            <a:off x="4821382" y="1841620"/>
+            <a:ext cx="5627716" cy="4581045"/>
+          </a:xfrm>
+        </p:spPr>
+      </p:pic>
+      <p:sp>
+        <p:nvSpPr>
+          <p:cNvPr id="8" name="Rectangle 2"/>
+          <p:cNvSpPr>
+            <a:spLocks noChangeArrowheads="1"/>
+          </p:cNvSpPr>
+          <p:nvPr/>
+        </p:nvSpPr>
+        <p:spPr bwMode="auto">
+          <a:xfrm>
+            <a:off x="0" y="-184666"/>
+            <a:ext cx="184731" cy="369332"/>
+          </a:xfrm>
+          <a:prstGeom prst="rect">
+            <a:avLst/>
+          </a:prstGeom>
+          <a:noFill/>
+          <a:ln>
+            <a:noFill/>
+          </a:ln>
+          <a:effectLst/>
+          <a:extLst>
+            <a:ext uri="{909E8E84-426E-40DD-AFC4-6F175D3DCCD1}">
+              <a14:hiddenFill xmlns:a14="http://schemas.microsoft.com/office/drawing/2010/main">
+                <a:solidFill>
+                  <a:schemeClr val="accent1"/>
+                </a:solidFill>
+              </a14:hiddenFill>
+            </a:ext>
+            <a:ext uri="{91240B29-F687-4F45-9708-019B960494DF}">
+              <a14:hiddenLine xmlns:a14="http://schemas.microsoft.com/office/drawing/2010/main" w="9525">
+                <a:solidFill>
+                  <a:schemeClr val="tx1"/>
+                </a:solidFill>
+                <a:miter lim="800000"/>
+                <a:headEnd/>
+                <a:tailEnd/>
+              </a14:hiddenLine>
+            </a:ext>
+            <a:ext uri="{AF507438-7753-43E0-B8FC-AC1667EBCBE1}">
+              <a14:hiddenEffects xmlns:a14="http://schemas.microsoft.com/office/drawing/2010/main">
+                <a:effectLst>
+                  <a:outerShdw dist="35921" dir="2700000" algn="ctr" rotWithShape="0">
+                    <a:schemeClr val="bg2"/>
+                  </a:outerShdw>
+                </a:effectLst>
+              </a14:hiddenEffects>
+            </a:ext>
+          </a:extLst>
+        </p:spPr>
+        <p:txBody>
+          <a:bodyPr vert="horz" wrap="none" lIns="91440" tIns="45720" rIns="91440" bIns="45720" numCol="1" anchor="ctr" anchorCtr="0" compatLnSpc="1">
+            <a:prstTxWarp prst="textNoShape">
+              <a:avLst/>
+            </a:prstTxWarp>
+            <a:spAutoFit/>
+          </a:bodyPr>
+          <a:lstStyle/>
+          <a:p>
+            <a:pPr marL="0" marR="0" lvl="0" indent="0" algn="l" defTabSz="914400" rtl="0" eaLnBrk="0" fontAlgn="base" latinLnBrk="0" hangingPunct="0">
+              <a:lnSpc>
+                <a:spcPct val="100000"/>
+              </a:lnSpc>
+              <a:spcBef>
+                <a:spcPct val="0"/>
+              </a:spcBef>
+              <a:spcAft>
+                <a:spcPct val="0"/>
+              </a:spcAft>
+              <a:buClrTx/>
+              <a:buSzTx/>
+              <a:buFontTx/>
+              <a:buNone/>
+              <a:tabLst/>
+            </a:pPr>
+            <a:endParaRPr kumimoji="0" lang="fi-FI" altLang="fi-FI" sz="1800" b="0" i="0" u="none" strike="noStrike" cap="none" normalizeH="0" baseline="0" dirty="0" smtClean="0">
+              <a:ln>
+                <a:noFill/>
+              </a:ln>
+              <a:solidFill>
+                <a:schemeClr val="tx1"/>
+              </a:solidFill>
+              <a:effectLst/>
+              <a:latin typeface="Arial" panose="020B0604020202020204" pitchFamily="34" charset="0"/>
+            </a:endParaRPr>
+          </a:p>
+        </p:txBody>
+      </p:sp>
+    </p:spTree>
+    <p:extLst>
+      <p:ext uri="{BB962C8B-B14F-4D97-AF65-F5344CB8AC3E}">
+        <p14:creationId xmlns:p14="http://schemas.microsoft.com/office/powerpoint/2010/main" val="2167640879"/>
+      </p:ext>
+    </p:extLst>
+  </p:cSld>
+  <p:clrMapOvr>
+    <a:masterClrMapping/>
+  </p:clrMapOvr>
+  <p:timing>
+    <p:tnLst>
+      <p:par>
+        <p:cTn id="1" dur="indefinite" restart="never" nodeType="tmRoot"/>
+      </p:par>
+    </p:tnLst>
+  </p:timing>
+</p:sld>
+</file>
+
+<file path=ppt/slides/slide6.xml><?xml version="1.0" encoding="utf-8"?>
+<p:sld xmlns:a="http://schemas.openxmlformats.org/drawingml/2006/main" xmlns:r="http://schemas.openxmlformats.org/officeDocument/2006/relationships" xmlns:p="http://schemas.openxmlformats.org/presentationml/2006/main">
+  <p:cSld>
+    <p:spTree>
+      <p:nvGrpSpPr>
+        <p:cNvPr id="1" name=""/>
+        <p:cNvGrpSpPr/>
+        <p:nvPr/>
+      </p:nvGrpSpPr>
+      <p:grpSpPr>
+        <a:xfrm>
+          <a:off x="0" y="0"/>
+          <a:ext cx="0" cy="0"/>
+          <a:chOff x="0" y="0"/>
+          <a:chExt cx="0" cy="0"/>
+        </a:xfrm>
+      </p:grpSpPr>
+      <p:sp>
+        <p:nvSpPr>
+          <p:cNvPr id="2" name="Title 1"/>
+          <p:cNvSpPr>
+            <a:spLocks noGrp="1"/>
+          </p:cNvSpPr>
+          <p:nvPr>
+            <p:ph type="title"/>
+          </p:nvPr>
+        </p:nvSpPr>
+        <p:spPr/>
+        <p:txBody>
+          <a:bodyPr/>
+          <a:lstStyle/>
+          <a:p>
+            <a:r>
+              <a:rPr lang="fi-FI" dirty="0" smtClean="0"/>
+              <a:t>POST-toiminnallisuus</a:t>
+            </a:r>
+            <a:endParaRPr lang="fi-FI" dirty="0"/>
+          </a:p>
+        </p:txBody>
+      </p:sp>
+      <p:sp>
+        <p:nvSpPr>
+          <p:cNvPr id="3" name="Content Placeholder 2"/>
+          <p:cNvSpPr>
+            <a:spLocks noGrp="1"/>
+          </p:cNvSpPr>
+          <p:nvPr>
+            <p:ph idx="1"/>
+          </p:nvPr>
+        </p:nvSpPr>
+        <p:spPr/>
+        <p:txBody>
+          <a:bodyPr/>
+          <a:lstStyle/>
+          <a:p>
+            <a:endParaRPr lang="fi-FI" dirty="0"/>
+          </a:p>
+        </p:txBody>
+      </p:sp>
+    </p:spTree>
+    <p:extLst>
+      <p:ext uri="{BB962C8B-B14F-4D97-AF65-F5344CB8AC3E}">
+        <p14:creationId xmlns:p14="http://schemas.microsoft.com/office/powerpoint/2010/main" val="893303846"/>
+      </p:ext>
+    </p:extLst>
+  </p:cSld>
+  <p:clrMapOvr>
+    <a:masterClrMapping/>
+  </p:clrMapOvr>
 </p:sld>
 </file>
 

--- a/SG_Esitys.pptx
+++ b/SG_Esitys.pptx
@@ -11,6 +11,9 @@
     <p:sldId id="264" r:id="rId5"/>
     <p:sldId id="263" r:id="rId6"/>
     <p:sldId id="265" r:id="rId7"/>
+    <p:sldId id="266" r:id="rId8"/>
+    <p:sldId id="267" r:id="rId9"/>
+    <p:sldId id="268" r:id="rId10"/>
   </p:sldIdLst>
   <p:sldSz cx="12192000" cy="6858000"/>
   <p:notesSz cx="6858000" cy="9144000"/>
@@ -159,7 +162,7 @@
           </a:lstStyle>
           <a:p>
             <a:r>
-              <a:rPr lang="en-US" smtClean="0"/>
+              <a:rPr lang="en-US"/>
               <a:t>Click to edit Master title style</a:t>
             </a:r>
             <a:endParaRPr lang="fi-FI"/>
@@ -224,7 +227,7 @@
           </a:lstStyle>
           <a:p>
             <a:r>
-              <a:rPr lang="en-US" smtClean="0"/>
+              <a:rPr lang="en-US"/>
               <a:t>Click to edit Master subtitle style</a:t>
             </a:r>
             <a:endParaRPr lang="fi-FI"/>
@@ -248,7 +251,7 @@
           <a:p>
             <a:fld id="{27887A9A-8C29-4254-958A-7DBC5C4FD058}" type="datetimeFigureOut">
               <a:rPr lang="fi-FI" smtClean="0"/>
-              <a:t>14.5.2018</a:t>
+              <a:t>17.5.2018</a:t>
             </a:fld>
             <a:endParaRPr lang="fi-FI"/>
           </a:p>
@@ -342,7 +345,7 @@
           <a:lstStyle/>
           <a:p>
             <a:r>
-              <a:rPr lang="en-US" smtClean="0"/>
+              <a:rPr lang="en-US"/>
               <a:t>Click to edit Master title style</a:t>
             </a:r>
             <a:endParaRPr lang="fi-FI"/>
@@ -366,35 +369,35 @@
           <a:p>
             <a:pPr lvl="0"/>
             <a:r>
-              <a:rPr lang="en-US" smtClean="0"/>
+              <a:rPr lang="en-US"/>
               <a:t>Edit Master text styles</a:t>
             </a:r>
           </a:p>
           <a:p>
             <a:pPr lvl="1"/>
             <a:r>
-              <a:rPr lang="en-US" smtClean="0"/>
+              <a:rPr lang="en-US"/>
               <a:t>Second level</a:t>
             </a:r>
           </a:p>
           <a:p>
             <a:pPr lvl="2"/>
             <a:r>
-              <a:rPr lang="en-US" smtClean="0"/>
+              <a:rPr lang="en-US"/>
               <a:t>Third level</a:t>
             </a:r>
           </a:p>
           <a:p>
             <a:pPr lvl="3"/>
             <a:r>
-              <a:rPr lang="en-US" smtClean="0"/>
+              <a:rPr lang="en-US"/>
               <a:t>Fourth level</a:t>
             </a:r>
           </a:p>
           <a:p>
             <a:pPr lvl="4"/>
             <a:r>
-              <a:rPr lang="en-US" smtClean="0"/>
+              <a:rPr lang="en-US"/>
               <a:t>Fifth level</a:t>
             </a:r>
             <a:endParaRPr lang="fi-FI"/>
@@ -418,7 +421,7 @@
           <a:p>
             <a:fld id="{27887A9A-8C29-4254-958A-7DBC5C4FD058}" type="datetimeFigureOut">
               <a:rPr lang="fi-FI" smtClean="0"/>
-              <a:t>14.5.2018</a:t>
+              <a:t>17.5.2018</a:t>
             </a:fld>
             <a:endParaRPr lang="fi-FI"/>
           </a:p>
@@ -517,7 +520,7 @@
           <a:lstStyle/>
           <a:p>
             <a:r>
-              <a:rPr lang="en-US" smtClean="0"/>
+              <a:rPr lang="en-US"/>
               <a:t>Click to edit Master title style</a:t>
             </a:r>
             <a:endParaRPr lang="fi-FI"/>
@@ -546,35 +549,35 @@
           <a:p>
             <a:pPr lvl="0"/>
             <a:r>
-              <a:rPr lang="en-US" smtClean="0"/>
+              <a:rPr lang="en-US"/>
               <a:t>Edit Master text styles</a:t>
             </a:r>
           </a:p>
           <a:p>
             <a:pPr lvl="1"/>
             <a:r>
-              <a:rPr lang="en-US" smtClean="0"/>
+              <a:rPr lang="en-US"/>
               <a:t>Second level</a:t>
             </a:r>
           </a:p>
           <a:p>
             <a:pPr lvl="2"/>
             <a:r>
-              <a:rPr lang="en-US" smtClean="0"/>
+              <a:rPr lang="en-US"/>
               <a:t>Third level</a:t>
             </a:r>
           </a:p>
           <a:p>
             <a:pPr lvl="3"/>
             <a:r>
-              <a:rPr lang="en-US" smtClean="0"/>
+              <a:rPr lang="en-US"/>
               <a:t>Fourth level</a:t>
             </a:r>
           </a:p>
           <a:p>
             <a:pPr lvl="4"/>
             <a:r>
-              <a:rPr lang="en-US" smtClean="0"/>
+              <a:rPr lang="en-US"/>
               <a:t>Fifth level</a:t>
             </a:r>
             <a:endParaRPr lang="fi-FI"/>
@@ -598,7 +601,7 @@
           <a:p>
             <a:fld id="{27887A9A-8C29-4254-958A-7DBC5C4FD058}" type="datetimeFigureOut">
               <a:rPr lang="fi-FI" smtClean="0"/>
-              <a:t>14.5.2018</a:t>
+              <a:t>17.5.2018</a:t>
             </a:fld>
             <a:endParaRPr lang="fi-FI"/>
           </a:p>
@@ -692,7 +695,7 @@
           <a:lstStyle/>
           <a:p>
             <a:r>
-              <a:rPr lang="en-US" smtClean="0"/>
+              <a:rPr lang="en-US"/>
               <a:t>Click to edit Master title style</a:t>
             </a:r>
             <a:endParaRPr lang="fi-FI"/>
@@ -716,35 +719,35 @@
           <a:p>
             <a:pPr lvl="0"/>
             <a:r>
-              <a:rPr lang="en-US" smtClean="0"/>
+              <a:rPr lang="en-US"/>
               <a:t>Edit Master text styles</a:t>
             </a:r>
           </a:p>
           <a:p>
             <a:pPr lvl="1"/>
             <a:r>
-              <a:rPr lang="en-US" smtClean="0"/>
+              <a:rPr lang="en-US"/>
               <a:t>Second level</a:t>
             </a:r>
           </a:p>
           <a:p>
             <a:pPr lvl="2"/>
             <a:r>
-              <a:rPr lang="en-US" smtClean="0"/>
+              <a:rPr lang="en-US"/>
               <a:t>Third level</a:t>
             </a:r>
           </a:p>
           <a:p>
             <a:pPr lvl="3"/>
             <a:r>
-              <a:rPr lang="en-US" smtClean="0"/>
+              <a:rPr lang="en-US"/>
               <a:t>Fourth level</a:t>
             </a:r>
           </a:p>
           <a:p>
             <a:pPr lvl="4"/>
             <a:r>
-              <a:rPr lang="en-US" smtClean="0"/>
+              <a:rPr lang="en-US"/>
               <a:t>Fifth level</a:t>
             </a:r>
             <a:endParaRPr lang="fi-FI"/>
@@ -768,7 +771,7 @@
           <a:p>
             <a:fld id="{27887A9A-8C29-4254-958A-7DBC5C4FD058}" type="datetimeFigureOut">
               <a:rPr lang="fi-FI" smtClean="0"/>
-              <a:t>14.5.2018</a:t>
+              <a:t>17.5.2018</a:t>
             </a:fld>
             <a:endParaRPr lang="fi-FI"/>
           </a:p>
@@ -871,7 +874,7 @@
           </a:lstStyle>
           <a:p>
             <a:r>
-              <a:rPr lang="en-US" smtClean="0"/>
+              <a:rPr lang="en-US"/>
               <a:t>Click to edit Master title style</a:t>
             </a:r>
             <a:endParaRPr lang="fi-FI"/>
@@ -991,7 +994,7 @@
           <a:p>
             <a:pPr lvl="0"/>
             <a:r>
-              <a:rPr lang="en-US" smtClean="0"/>
+              <a:rPr lang="en-US"/>
               <a:t>Edit Master text styles</a:t>
             </a:r>
           </a:p>
@@ -1014,7 +1017,7 @@
           <a:p>
             <a:fld id="{27887A9A-8C29-4254-958A-7DBC5C4FD058}" type="datetimeFigureOut">
               <a:rPr lang="fi-FI" smtClean="0"/>
-              <a:t>14.5.2018</a:t>
+              <a:t>17.5.2018</a:t>
             </a:fld>
             <a:endParaRPr lang="fi-FI"/>
           </a:p>
@@ -1108,7 +1111,7 @@
           <a:lstStyle/>
           <a:p>
             <a:r>
-              <a:rPr lang="en-US" smtClean="0"/>
+              <a:rPr lang="en-US"/>
               <a:t>Click to edit Master title style</a:t>
             </a:r>
             <a:endParaRPr lang="fi-FI"/>
@@ -1137,35 +1140,35 @@
           <a:p>
             <a:pPr lvl="0"/>
             <a:r>
-              <a:rPr lang="en-US" smtClean="0"/>
+              <a:rPr lang="en-US"/>
               <a:t>Edit Master text styles</a:t>
             </a:r>
           </a:p>
           <a:p>
             <a:pPr lvl="1"/>
             <a:r>
-              <a:rPr lang="en-US" smtClean="0"/>
+              <a:rPr lang="en-US"/>
               <a:t>Second level</a:t>
             </a:r>
           </a:p>
           <a:p>
             <a:pPr lvl="2"/>
             <a:r>
-              <a:rPr lang="en-US" smtClean="0"/>
+              <a:rPr lang="en-US"/>
               <a:t>Third level</a:t>
             </a:r>
           </a:p>
           <a:p>
             <a:pPr lvl="3"/>
             <a:r>
-              <a:rPr lang="en-US" smtClean="0"/>
+              <a:rPr lang="en-US"/>
               <a:t>Fourth level</a:t>
             </a:r>
           </a:p>
           <a:p>
             <a:pPr lvl="4"/>
             <a:r>
-              <a:rPr lang="en-US" smtClean="0"/>
+              <a:rPr lang="en-US"/>
               <a:t>Fifth level</a:t>
             </a:r>
             <a:endParaRPr lang="fi-FI"/>
@@ -1194,35 +1197,35 @@
           <a:p>
             <a:pPr lvl="0"/>
             <a:r>
-              <a:rPr lang="en-US" smtClean="0"/>
+              <a:rPr lang="en-US"/>
               <a:t>Edit Master text styles</a:t>
             </a:r>
           </a:p>
           <a:p>
             <a:pPr lvl="1"/>
             <a:r>
-              <a:rPr lang="en-US" smtClean="0"/>
+              <a:rPr lang="en-US"/>
               <a:t>Second level</a:t>
             </a:r>
           </a:p>
           <a:p>
             <a:pPr lvl="2"/>
             <a:r>
-              <a:rPr lang="en-US" smtClean="0"/>
+              <a:rPr lang="en-US"/>
               <a:t>Third level</a:t>
             </a:r>
           </a:p>
           <a:p>
             <a:pPr lvl="3"/>
             <a:r>
-              <a:rPr lang="en-US" smtClean="0"/>
+              <a:rPr lang="en-US"/>
               <a:t>Fourth level</a:t>
             </a:r>
           </a:p>
           <a:p>
             <a:pPr lvl="4"/>
             <a:r>
-              <a:rPr lang="en-US" smtClean="0"/>
+              <a:rPr lang="en-US"/>
               <a:t>Fifth level</a:t>
             </a:r>
             <a:endParaRPr lang="fi-FI"/>
@@ -1246,7 +1249,7 @@
           <a:p>
             <a:fld id="{27887A9A-8C29-4254-958A-7DBC5C4FD058}" type="datetimeFigureOut">
               <a:rPr lang="fi-FI" smtClean="0"/>
-              <a:t>14.5.2018</a:t>
+              <a:t>17.5.2018</a:t>
             </a:fld>
             <a:endParaRPr lang="fi-FI"/>
           </a:p>
@@ -1345,7 +1348,7 @@
           <a:lstStyle/>
           <a:p>
             <a:r>
-              <a:rPr lang="en-US" smtClean="0"/>
+              <a:rPr lang="en-US"/>
               <a:t>Click to edit Master title style</a:t>
             </a:r>
             <a:endParaRPr lang="fi-FI"/>
@@ -1411,7 +1414,7 @@
           <a:p>
             <a:pPr lvl="0"/>
             <a:r>
-              <a:rPr lang="en-US" smtClean="0"/>
+              <a:rPr lang="en-US"/>
               <a:t>Edit Master text styles</a:t>
             </a:r>
           </a:p>
@@ -1439,35 +1442,35 @@
           <a:p>
             <a:pPr lvl="0"/>
             <a:r>
-              <a:rPr lang="en-US" smtClean="0"/>
+              <a:rPr lang="en-US"/>
               <a:t>Edit Master text styles</a:t>
             </a:r>
           </a:p>
           <a:p>
             <a:pPr lvl="1"/>
             <a:r>
-              <a:rPr lang="en-US" smtClean="0"/>
+              <a:rPr lang="en-US"/>
               <a:t>Second level</a:t>
             </a:r>
           </a:p>
           <a:p>
             <a:pPr lvl="2"/>
             <a:r>
-              <a:rPr lang="en-US" smtClean="0"/>
+              <a:rPr lang="en-US"/>
               <a:t>Third level</a:t>
             </a:r>
           </a:p>
           <a:p>
             <a:pPr lvl="3"/>
             <a:r>
-              <a:rPr lang="en-US" smtClean="0"/>
+              <a:rPr lang="en-US"/>
               <a:t>Fourth level</a:t>
             </a:r>
           </a:p>
           <a:p>
             <a:pPr lvl="4"/>
             <a:r>
-              <a:rPr lang="en-US" smtClean="0"/>
+              <a:rPr lang="en-US"/>
               <a:t>Fifth level</a:t>
             </a:r>
             <a:endParaRPr lang="fi-FI"/>
@@ -1533,7 +1536,7 @@
           <a:p>
             <a:pPr lvl="0"/>
             <a:r>
-              <a:rPr lang="en-US" smtClean="0"/>
+              <a:rPr lang="en-US"/>
               <a:t>Edit Master text styles</a:t>
             </a:r>
           </a:p>
@@ -1561,35 +1564,35 @@
           <a:p>
             <a:pPr lvl="0"/>
             <a:r>
-              <a:rPr lang="en-US" smtClean="0"/>
+              <a:rPr lang="en-US"/>
               <a:t>Edit Master text styles</a:t>
             </a:r>
           </a:p>
           <a:p>
             <a:pPr lvl="1"/>
             <a:r>
-              <a:rPr lang="en-US" smtClean="0"/>
+              <a:rPr lang="en-US"/>
               <a:t>Second level</a:t>
             </a:r>
           </a:p>
           <a:p>
             <a:pPr lvl="2"/>
             <a:r>
-              <a:rPr lang="en-US" smtClean="0"/>
+              <a:rPr lang="en-US"/>
               <a:t>Third level</a:t>
             </a:r>
           </a:p>
           <a:p>
             <a:pPr lvl="3"/>
             <a:r>
-              <a:rPr lang="en-US" smtClean="0"/>
+              <a:rPr lang="en-US"/>
               <a:t>Fourth level</a:t>
             </a:r>
           </a:p>
           <a:p>
             <a:pPr lvl="4"/>
             <a:r>
-              <a:rPr lang="en-US" smtClean="0"/>
+              <a:rPr lang="en-US"/>
               <a:t>Fifth level</a:t>
             </a:r>
             <a:endParaRPr lang="fi-FI"/>
@@ -1613,7 +1616,7 @@
           <a:p>
             <a:fld id="{27887A9A-8C29-4254-958A-7DBC5C4FD058}" type="datetimeFigureOut">
               <a:rPr lang="fi-FI" smtClean="0"/>
-              <a:t>14.5.2018</a:t>
+              <a:t>17.5.2018</a:t>
             </a:fld>
             <a:endParaRPr lang="fi-FI"/>
           </a:p>
@@ -1707,7 +1710,7 @@
           <a:lstStyle/>
           <a:p>
             <a:r>
-              <a:rPr lang="en-US" smtClean="0"/>
+              <a:rPr lang="en-US"/>
               <a:t>Click to edit Master title style</a:t>
             </a:r>
             <a:endParaRPr lang="fi-FI"/>
@@ -1731,7 +1734,7 @@
           <a:p>
             <a:fld id="{27887A9A-8C29-4254-958A-7DBC5C4FD058}" type="datetimeFigureOut">
               <a:rPr lang="fi-FI" smtClean="0"/>
-              <a:t>14.5.2018</a:t>
+              <a:t>17.5.2018</a:t>
             </a:fld>
             <a:endParaRPr lang="fi-FI"/>
           </a:p>
@@ -1826,7 +1829,7 @@
           <a:p>
             <a:fld id="{27887A9A-8C29-4254-958A-7DBC5C4FD058}" type="datetimeFigureOut">
               <a:rPr lang="fi-FI" smtClean="0"/>
-              <a:t>14.5.2018</a:t>
+              <a:t>17.5.2018</a:t>
             </a:fld>
             <a:endParaRPr lang="fi-FI"/>
           </a:p>
@@ -1929,7 +1932,7 @@
           </a:lstStyle>
           <a:p>
             <a:r>
-              <a:rPr lang="en-US" smtClean="0"/>
+              <a:rPr lang="en-US"/>
               <a:t>Click to edit Master title style</a:t>
             </a:r>
             <a:endParaRPr lang="fi-FI"/>
@@ -1986,35 +1989,35 @@
           <a:p>
             <a:pPr lvl="0"/>
             <a:r>
-              <a:rPr lang="en-US" smtClean="0"/>
+              <a:rPr lang="en-US"/>
               <a:t>Edit Master text styles</a:t>
             </a:r>
           </a:p>
           <a:p>
             <a:pPr lvl="1"/>
             <a:r>
-              <a:rPr lang="en-US" smtClean="0"/>
+              <a:rPr lang="en-US"/>
               <a:t>Second level</a:t>
             </a:r>
           </a:p>
           <a:p>
             <a:pPr lvl="2"/>
             <a:r>
-              <a:rPr lang="en-US" smtClean="0"/>
+              <a:rPr lang="en-US"/>
               <a:t>Third level</a:t>
             </a:r>
           </a:p>
           <a:p>
             <a:pPr lvl="3"/>
             <a:r>
-              <a:rPr lang="en-US" smtClean="0"/>
+              <a:rPr lang="en-US"/>
               <a:t>Fourth level</a:t>
             </a:r>
           </a:p>
           <a:p>
             <a:pPr lvl="4"/>
             <a:r>
-              <a:rPr lang="en-US" smtClean="0"/>
+              <a:rPr lang="en-US"/>
               <a:t>Fifth level</a:t>
             </a:r>
             <a:endParaRPr lang="fi-FI"/>
@@ -2080,7 +2083,7 @@
           <a:p>
             <a:pPr lvl="0"/>
             <a:r>
-              <a:rPr lang="en-US" smtClean="0"/>
+              <a:rPr lang="en-US"/>
               <a:t>Edit Master text styles</a:t>
             </a:r>
           </a:p>
@@ -2103,7 +2106,7 @@
           <a:p>
             <a:fld id="{27887A9A-8C29-4254-958A-7DBC5C4FD058}" type="datetimeFigureOut">
               <a:rPr lang="fi-FI" smtClean="0"/>
-              <a:t>14.5.2018</a:t>
+              <a:t>17.5.2018</a:t>
             </a:fld>
             <a:endParaRPr lang="fi-FI"/>
           </a:p>
@@ -2206,7 +2209,7 @@
           </a:lstStyle>
           <a:p>
             <a:r>
-              <a:rPr lang="en-US" smtClean="0"/>
+              <a:rPr lang="en-US"/>
               <a:t>Click to edit Master title style</a:t>
             </a:r>
             <a:endParaRPr lang="fi-FI"/>
@@ -2333,7 +2336,7 @@
           <a:p>
             <a:pPr lvl="0"/>
             <a:r>
-              <a:rPr lang="en-US" smtClean="0"/>
+              <a:rPr lang="en-US"/>
               <a:t>Edit Master text styles</a:t>
             </a:r>
           </a:p>
@@ -2356,7 +2359,7 @@
           <a:p>
             <a:fld id="{27887A9A-8C29-4254-958A-7DBC5C4FD058}" type="datetimeFigureOut">
               <a:rPr lang="fi-FI" smtClean="0"/>
-              <a:t>14.5.2018</a:t>
+              <a:t>17.5.2018</a:t>
             </a:fld>
             <a:endParaRPr lang="fi-FI"/>
           </a:p>
@@ -2465,7 +2468,7 @@
           <a:lstStyle/>
           <a:p>
             <a:r>
-              <a:rPr lang="en-US" smtClean="0"/>
+              <a:rPr lang="en-US"/>
               <a:t>Click to edit Master title style</a:t>
             </a:r>
             <a:endParaRPr lang="fi-FI"/>
@@ -2499,35 +2502,35 @@
           <a:p>
             <a:pPr lvl="0"/>
             <a:r>
-              <a:rPr lang="en-US" smtClean="0"/>
+              <a:rPr lang="en-US"/>
               <a:t>Edit Master text styles</a:t>
             </a:r>
           </a:p>
           <a:p>
             <a:pPr lvl="1"/>
             <a:r>
-              <a:rPr lang="en-US" smtClean="0"/>
+              <a:rPr lang="en-US"/>
               <a:t>Second level</a:t>
             </a:r>
           </a:p>
           <a:p>
             <a:pPr lvl="2"/>
             <a:r>
-              <a:rPr lang="en-US" smtClean="0"/>
+              <a:rPr lang="en-US"/>
               <a:t>Third level</a:t>
             </a:r>
           </a:p>
           <a:p>
             <a:pPr lvl="3"/>
             <a:r>
-              <a:rPr lang="en-US" smtClean="0"/>
+              <a:rPr lang="en-US"/>
               <a:t>Fourth level</a:t>
             </a:r>
           </a:p>
           <a:p>
             <a:pPr lvl="4"/>
             <a:r>
-              <a:rPr lang="en-US" smtClean="0"/>
+              <a:rPr lang="en-US"/>
               <a:t>Fifth level</a:t>
             </a:r>
             <a:endParaRPr lang="fi-FI"/>
@@ -2569,7 +2572,7 @@
           <a:p>
             <a:fld id="{27887A9A-8C29-4254-958A-7DBC5C4FD058}" type="datetimeFigureOut">
               <a:rPr lang="fi-FI" smtClean="0"/>
-              <a:t>14.5.2018</a:t>
+              <a:t>17.5.2018</a:t>
             </a:fld>
             <a:endParaRPr lang="fi-FI"/>
           </a:p>
@@ -3014,10 +3017,9 @@
           <a:lstStyle/>
           <a:p>
             <a:r>
-              <a:rPr lang="fi-FI" dirty="0" smtClean="0"/>
+              <a:rPr lang="fi-FI" dirty="0"/>
               <a:t>https://github.com/rottabonus/SpringGenesys</a:t>
             </a:r>
-            <a:endParaRPr lang="fi-FI" dirty="0"/>
           </a:p>
         </p:txBody>
       </p:sp>
@@ -3061,13 +3063,6 @@
   <p:clrMapOvr>
     <a:masterClrMapping/>
   </p:clrMapOvr>
-  <p:timing>
-    <p:tnLst>
-      <p:par>
-        <p:cTn id="1" dur="indefinite" restart="never" nodeType="tmRoot"/>
-      </p:par>
-    </p:tnLst>
-  </p:timing>
 </p:sld>
 </file>
 
@@ -3104,10 +3099,9 @@
           <a:lstStyle/>
           <a:p>
             <a:r>
-              <a:rPr lang="fi-FI" dirty="0" smtClean="0"/>
+              <a:rPr lang="fi-FI" dirty="0"/>
               <a:t>Tiimin jäsenet</a:t>
             </a:r>
-            <a:endParaRPr lang="fi-FI" dirty="0"/>
           </a:p>
         </p:txBody>
       </p:sp>
@@ -3127,31 +3121,31 @@
           <a:lstStyle/>
           <a:p>
             <a:r>
-              <a:rPr lang="fi-FI" dirty="0" smtClean="0"/>
+              <a:rPr lang="fi-FI" dirty="0"/>
               <a:t>Felix Hallenberg</a:t>
             </a:r>
           </a:p>
           <a:p>
             <a:r>
-              <a:rPr lang="fi-FI" dirty="0" smtClean="0"/>
+              <a:rPr lang="fi-FI" dirty="0"/>
               <a:t>Janne Holma</a:t>
             </a:r>
           </a:p>
           <a:p>
             <a:r>
-              <a:rPr lang="fi-FI" dirty="0" smtClean="0"/>
+              <a:rPr lang="fi-FI" dirty="0"/>
               <a:t>Ilkka Katajamäki</a:t>
             </a:r>
           </a:p>
           <a:p>
             <a:r>
-              <a:rPr lang="fi-FI" dirty="0" smtClean="0"/>
+              <a:rPr lang="fi-FI" dirty="0"/>
               <a:t>Topi Kettunen</a:t>
             </a:r>
           </a:p>
           <a:p>
             <a:r>
-              <a:rPr lang="fi-FI" dirty="0" smtClean="0"/>
+              <a:rPr lang="fi-FI" dirty="0"/>
               <a:t>Risto Vesanto</a:t>
             </a:r>
           </a:p>
@@ -3167,13 +3161,6 @@
   <p:clrMapOvr>
     <a:masterClrMapping/>
   </p:clrMapOvr>
-  <p:timing>
-    <p:tnLst>
-      <p:par>
-        <p:cTn id="1" dur="indefinite" restart="never" nodeType="tmRoot"/>
-      </p:par>
-    </p:tnLst>
-  </p:timing>
 </p:sld>
 </file>
 
@@ -3210,10 +3197,9 @@
           <a:lstStyle/>
           <a:p>
             <a:r>
-              <a:rPr lang="fi-FI" dirty="0" smtClean="0"/>
+              <a:rPr lang="fi-FI" dirty="0"/>
               <a:t>Projektin aihe</a:t>
             </a:r>
-            <a:endParaRPr lang="fi-FI" dirty="0"/>
           </a:p>
         </p:txBody>
       </p:sp>
@@ -3233,24 +3219,23 @@
           <a:lstStyle/>
           <a:p>
             <a:r>
-              <a:rPr lang="fi-FI" dirty="0" smtClean="0"/>
+              <a:rPr lang="fi-FI" dirty="0"/>
               <a:t>Kyselyiden vastaamiseen ja vastausten hakemiseen tarvittavan REST-rajapinnan toteuttaminen.</a:t>
             </a:r>
           </a:p>
           <a:p>
             <a:r>
-              <a:rPr lang="fi-FI" dirty="0" smtClean="0"/>
+              <a:rPr lang="fi-FI" dirty="0"/>
               <a:t>Kyselyn luomisen ja hallinnan toteuttaminen (käyttöliittymä ja </a:t>
             </a:r>
             <a:r>
-              <a:rPr lang="fi-FI" dirty="0" err="1" smtClean="0"/>
+              <a:rPr lang="fi-FI" dirty="0" err="1"/>
               <a:t>back-end</a:t>
             </a:r>
             <a:r>
-              <a:rPr lang="fi-FI" dirty="0" smtClean="0"/>
+              <a:rPr lang="fi-FI" dirty="0"/>
               <a:t>).</a:t>
             </a:r>
-            <a:endParaRPr lang="fi-FI" dirty="0"/>
           </a:p>
         </p:txBody>
       </p:sp>
@@ -3264,13 +3249,6 @@
   <p:clrMapOvr>
     <a:masterClrMapping/>
   </p:clrMapOvr>
-  <p:timing>
-    <p:tnLst>
-      <p:par>
-        <p:cTn id="1" dur="indefinite" restart="never" nodeType="tmRoot"/>
-      </p:par>
-    </p:tnLst>
-  </p:timing>
 </p:sld>
 </file>
 
@@ -3307,10 +3285,9 @@
           <a:lstStyle/>
           <a:p>
             <a:r>
-              <a:rPr lang="fi-FI" dirty="0" smtClean="0"/>
+              <a:rPr lang="fi-FI" dirty="0"/>
               <a:t>Käsitekaavio</a:t>
             </a:r>
-            <a:endParaRPr lang="fi-FI" dirty="0"/>
           </a:p>
         </p:txBody>
       </p:sp>
@@ -3353,13 +3330,6 @@
   <p:clrMapOvr>
     <a:masterClrMapping/>
   </p:clrMapOvr>
-  <p:timing>
-    <p:tnLst>
-      <p:par>
-        <p:cTn id="1" dur="indefinite" restart="never" nodeType="tmRoot"/>
-      </p:par>
-    </p:tnLst>
-  </p:timing>
 </p:sld>
 </file>
 
@@ -3401,10 +3371,9 @@
           <a:lstStyle/>
           <a:p>
             <a:r>
-              <a:rPr lang="fi-FI" dirty="0" smtClean="0"/>
+              <a:rPr lang="fi-FI" dirty="0"/>
               <a:t>GET-toiminnallisuus</a:t>
             </a:r>
-            <a:endParaRPr lang="fi-FI" dirty="0"/>
           </a:p>
         </p:txBody>
       </p:sp>
@@ -3431,11 +3400,11 @@
           <a:lstStyle/>
           <a:p>
             <a:r>
-              <a:rPr lang="fi-FI" smtClean="0"/>
+              <a:rPr lang="fi-FI"/>
               <a:t>                       Yksi </a:t>
             </a:r>
             <a:r>
-              <a:rPr lang="fi-FI" dirty="0" smtClean="0"/>
+              <a:rPr lang="fi-FI" dirty="0"/>
               <a:t>kysymys:</a:t>
             </a:r>
           </a:p>
@@ -3444,38 +3413,38 @@
           </a:p>
           <a:p>
             <a:r>
-              <a:rPr lang="fi-FI" dirty="0" smtClean="0">
+              <a:rPr lang="fi-FI" dirty="0">
                 <a:hlinkClick r:id="rId2" action="ppaction://hlinkfile"/>
               </a:rPr>
               <a:t>URL:n</a:t>
             </a:r>
             <a:r>
-              <a:rPr lang="fi-FI" dirty="0" smtClean="0"/>
+              <a:rPr lang="fi-FI" dirty="0"/>
               <a:t> viimeinen numero</a:t>
             </a:r>
           </a:p>
           <a:p>
             <a:r>
-              <a:rPr lang="fi-FI" dirty="0" smtClean="0"/>
+              <a:rPr lang="fi-FI" dirty="0"/>
               <a:t>Vastaa </a:t>
             </a:r>
             <a:r>
-              <a:rPr lang="fi-FI" dirty="0" err="1" smtClean="0"/>
+              <a:rPr lang="fi-FI" dirty="0" err="1"/>
               <a:t>question_id:tä</a:t>
             </a:r>
             <a:endParaRPr lang="fi-FI" dirty="0"/>
           </a:p>
           <a:p>
-            <a:endParaRPr lang="fi-FI" dirty="0" smtClean="0"/>
-          </a:p>
-          <a:p>
-            <a:endParaRPr lang="fi-FI" dirty="0" smtClean="0"/>
-          </a:p>
-          <a:p>
             <a:endParaRPr lang="fi-FI" dirty="0"/>
           </a:p>
           <a:p>
-            <a:endParaRPr lang="fi-FI" dirty="0" smtClean="0"/>
+            <a:endParaRPr lang="fi-FI" dirty="0"/>
+          </a:p>
+          <a:p>
+            <a:endParaRPr lang="fi-FI" dirty="0"/>
+          </a:p>
+          <a:p>
+            <a:endParaRPr lang="fi-FI" dirty="0"/>
           </a:p>
           <a:p>
             <a:endParaRPr lang="fi-FI" dirty="0"/>
@@ -3586,7 +3555,7 @@
               <a:buNone/>
               <a:tabLst/>
             </a:pPr>
-            <a:endParaRPr kumimoji="0" lang="fi-FI" altLang="fi-FI" sz="1800" b="0" i="0" u="none" strike="noStrike" cap="none" normalizeH="0" baseline="0" dirty="0" smtClean="0">
+            <a:endParaRPr kumimoji="0" lang="fi-FI" altLang="fi-FI" sz="1800" b="0" i="0" u="none" strike="noStrike" cap="none" normalizeH="0" baseline="0" dirty="0">
               <a:ln>
                 <a:noFill/>
               </a:ln>
@@ -3609,13 +3578,6 @@
   <p:clrMapOvr>
     <a:masterClrMapping/>
   </p:clrMapOvr>
-  <p:timing>
-    <p:tnLst>
-      <p:par>
-        <p:cTn id="1" dur="indefinite" restart="never" nodeType="tmRoot"/>
-      </p:par>
-    </p:tnLst>
-  </p:timing>
 </p:sld>
 </file>
 
@@ -3652,10 +3614,9 @@
           <a:lstStyle/>
           <a:p>
             <a:r>
-              <a:rPr lang="fi-FI" dirty="0" smtClean="0"/>
+              <a:rPr lang="fi-FI" dirty="0"/>
               <a:t>POST-toiminnallisuus</a:t>
             </a:r>
-            <a:endParaRPr lang="fi-FI" dirty="0"/>
           </a:p>
         </p:txBody>
       </p:sp>
@@ -3682,6 +3643,284 @@
     <p:extLst>
       <p:ext uri="{BB962C8B-B14F-4D97-AF65-F5344CB8AC3E}">
         <p14:creationId xmlns:p14="http://schemas.microsoft.com/office/powerpoint/2010/main" val="893303846"/>
+      </p:ext>
+    </p:extLst>
+  </p:cSld>
+  <p:clrMapOvr>
+    <a:masterClrMapping/>
+  </p:clrMapOvr>
+</p:sld>
+</file>
+
+<file path=ppt/slides/slide7.xml><?xml version="1.0" encoding="utf-8"?>
+<p:sld xmlns:a="http://schemas.openxmlformats.org/drawingml/2006/main" xmlns:r="http://schemas.openxmlformats.org/officeDocument/2006/relationships" xmlns:p="http://schemas.openxmlformats.org/presentationml/2006/main">
+  <p:cSld>
+    <p:spTree>
+      <p:nvGrpSpPr>
+        <p:cNvPr id="1" name=""/>
+        <p:cNvGrpSpPr/>
+        <p:nvPr/>
+      </p:nvGrpSpPr>
+      <p:grpSpPr>
+        <a:xfrm>
+          <a:off x="0" y="0"/>
+          <a:ext cx="0" cy="0"/>
+          <a:chOff x="0" y="0"/>
+          <a:chExt cx="0" cy="0"/>
+        </a:xfrm>
+      </p:grpSpPr>
+      <p:sp>
+        <p:nvSpPr>
+          <p:cNvPr id="2" name="Title 1">
+            <a:extLst>
+              <a:ext uri="{FF2B5EF4-FFF2-40B4-BE49-F238E27FC236}">
+                <a16:creationId xmlns:a16="http://schemas.microsoft.com/office/drawing/2014/main" id="{A0D3B09A-19E5-4841-AA40-77E0F9DB0E33}"/>
+              </a:ext>
+            </a:extLst>
+          </p:cNvPr>
+          <p:cNvSpPr>
+            <a:spLocks noGrp="1"/>
+          </p:cNvSpPr>
+          <p:nvPr>
+            <p:ph type="title"/>
+          </p:nvPr>
+        </p:nvSpPr>
+        <p:spPr/>
+        <p:txBody>
+          <a:bodyPr/>
+          <a:lstStyle/>
+          <a:p>
+            <a:r>
+              <a:rPr lang="fi-FI" dirty="0"/>
+              <a:t>Kyselyn luonti </a:t>
+            </a:r>
+            <a:r>
+              <a:rPr lang="fi-FI" dirty="0" err="1"/>
+              <a:t>Thymeleaf</a:t>
+            </a:r>
+            <a:endParaRPr lang="fi-FI" dirty="0"/>
+          </a:p>
+        </p:txBody>
+      </p:sp>
+      <p:pic>
+        <p:nvPicPr>
+          <p:cNvPr id="5" name="Content Placeholder 4">
+            <a:extLst>
+              <a:ext uri="{FF2B5EF4-FFF2-40B4-BE49-F238E27FC236}">
+                <a16:creationId xmlns:a16="http://schemas.microsoft.com/office/drawing/2014/main" id="{4D6F534D-FF73-40C9-815C-1DFDD3A2930A}"/>
+              </a:ext>
+            </a:extLst>
+          </p:cNvPr>
+          <p:cNvPicPr>
+            <a:picLocks noGrp="1" noChangeAspect="1"/>
+          </p:cNvPicPr>
+          <p:nvPr>
+            <p:ph idx="1"/>
+          </p:nvPr>
+        </p:nvPicPr>
+        <p:blipFill>
+          <a:blip r:embed="rId2">
+            <a:extLst>
+              <a:ext uri="{28A0092B-C50C-407E-A947-70E740481C1C}">
+                <a14:useLocalDpi xmlns:a14="http://schemas.microsoft.com/office/drawing/2010/main" val="0"/>
+              </a:ext>
+            </a:extLst>
+          </a:blip>
+          <a:stretch>
+            <a:fillRect/>
+          </a:stretch>
+        </p:blipFill>
+        <p:spPr>
+          <a:xfrm>
+            <a:off x="793331" y="1510144"/>
+            <a:ext cx="11080013" cy="5205297"/>
+          </a:xfrm>
+        </p:spPr>
+      </p:pic>
+    </p:spTree>
+    <p:extLst>
+      <p:ext uri="{BB962C8B-B14F-4D97-AF65-F5344CB8AC3E}">
+        <p14:creationId xmlns:p14="http://schemas.microsoft.com/office/powerpoint/2010/main" val="2958430795"/>
+      </p:ext>
+    </p:extLst>
+  </p:cSld>
+  <p:clrMapOvr>
+    <a:masterClrMapping/>
+  </p:clrMapOvr>
+</p:sld>
+</file>
+
+<file path=ppt/slides/slide8.xml><?xml version="1.0" encoding="utf-8"?>
+<p:sld xmlns:a="http://schemas.openxmlformats.org/drawingml/2006/main" xmlns:r="http://schemas.openxmlformats.org/officeDocument/2006/relationships" xmlns:p="http://schemas.openxmlformats.org/presentationml/2006/main">
+  <p:cSld>
+    <p:spTree>
+      <p:nvGrpSpPr>
+        <p:cNvPr id="1" name=""/>
+        <p:cNvGrpSpPr/>
+        <p:nvPr/>
+      </p:nvGrpSpPr>
+      <p:grpSpPr>
+        <a:xfrm>
+          <a:off x="0" y="0"/>
+          <a:ext cx="0" cy="0"/>
+          <a:chOff x="0" y="0"/>
+          <a:chExt cx="0" cy="0"/>
+        </a:xfrm>
+      </p:grpSpPr>
+      <p:sp>
+        <p:nvSpPr>
+          <p:cNvPr id="9" name="Title 8">
+            <a:extLst>
+              <a:ext uri="{FF2B5EF4-FFF2-40B4-BE49-F238E27FC236}">
+                <a16:creationId xmlns:a16="http://schemas.microsoft.com/office/drawing/2014/main" id="{1B5FB5C3-5792-48F5-BDBB-CB0C6BC72929}"/>
+              </a:ext>
+            </a:extLst>
+          </p:cNvPr>
+          <p:cNvSpPr>
+            <a:spLocks noGrp="1"/>
+          </p:cNvSpPr>
+          <p:nvPr>
+            <p:ph type="title"/>
+          </p:nvPr>
+        </p:nvSpPr>
+        <p:spPr/>
+        <p:txBody>
+          <a:bodyPr/>
+          <a:lstStyle/>
+          <a:p>
+            <a:endParaRPr lang="fi-FI"/>
+          </a:p>
+        </p:txBody>
+      </p:sp>
+      <p:pic>
+        <p:nvPicPr>
+          <p:cNvPr id="12" name="Content Placeholder 11">
+            <a:extLst>
+              <a:ext uri="{FF2B5EF4-FFF2-40B4-BE49-F238E27FC236}">
+                <a16:creationId xmlns:a16="http://schemas.microsoft.com/office/drawing/2014/main" id="{EFFFFBFB-AC42-4C8C-AC83-0C1669B6C64A}"/>
+              </a:ext>
+            </a:extLst>
+          </p:cNvPr>
+          <p:cNvPicPr>
+            <a:picLocks noGrp="1" noChangeAspect="1"/>
+          </p:cNvPicPr>
+          <p:nvPr>
+            <p:ph idx="1"/>
+          </p:nvPr>
+        </p:nvPicPr>
+        <p:blipFill>
+          <a:blip r:embed="rId2">
+            <a:extLst>
+              <a:ext uri="{28A0092B-C50C-407E-A947-70E740481C1C}">
+                <a14:useLocalDpi xmlns:a14="http://schemas.microsoft.com/office/drawing/2010/main" val="0"/>
+              </a:ext>
+            </a:extLst>
+          </a:blip>
+          <a:stretch>
+            <a:fillRect/>
+          </a:stretch>
+        </p:blipFill>
+        <p:spPr>
+          <a:xfrm>
+            <a:off x="508000" y="1376098"/>
+            <a:ext cx="11206480" cy="5264711"/>
+          </a:xfrm>
+        </p:spPr>
+      </p:pic>
+    </p:spTree>
+    <p:extLst>
+      <p:ext uri="{BB962C8B-B14F-4D97-AF65-F5344CB8AC3E}">
+        <p14:creationId xmlns:p14="http://schemas.microsoft.com/office/powerpoint/2010/main" val="3358830453"/>
+      </p:ext>
+    </p:extLst>
+  </p:cSld>
+  <p:clrMapOvr>
+    <a:masterClrMapping/>
+  </p:clrMapOvr>
+</p:sld>
+</file>
+
+<file path=ppt/slides/slide9.xml><?xml version="1.0" encoding="utf-8"?>
+<p:sld xmlns:a="http://schemas.openxmlformats.org/drawingml/2006/main" xmlns:r="http://schemas.openxmlformats.org/officeDocument/2006/relationships" xmlns:p="http://schemas.openxmlformats.org/presentationml/2006/main">
+  <p:cSld>
+    <p:spTree>
+      <p:nvGrpSpPr>
+        <p:cNvPr id="1" name=""/>
+        <p:cNvGrpSpPr/>
+        <p:nvPr/>
+      </p:nvGrpSpPr>
+      <p:grpSpPr>
+        <a:xfrm>
+          <a:off x="0" y="0"/>
+          <a:ext cx="0" cy="0"/>
+          <a:chOff x="0" y="0"/>
+          <a:chExt cx="0" cy="0"/>
+        </a:xfrm>
+      </p:grpSpPr>
+      <p:sp>
+        <p:nvSpPr>
+          <p:cNvPr id="2" name="Title 1">
+            <a:extLst>
+              <a:ext uri="{FF2B5EF4-FFF2-40B4-BE49-F238E27FC236}">
+                <a16:creationId xmlns:a16="http://schemas.microsoft.com/office/drawing/2014/main" id="{A518B806-44C6-46F9-A7A7-A81262F34F21}"/>
+              </a:ext>
+            </a:extLst>
+          </p:cNvPr>
+          <p:cNvSpPr>
+            <a:spLocks noGrp="1"/>
+          </p:cNvSpPr>
+          <p:nvPr>
+            <p:ph type="title"/>
+          </p:nvPr>
+        </p:nvSpPr>
+        <p:spPr/>
+        <p:txBody>
+          <a:bodyPr/>
+          <a:lstStyle/>
+          <a:p>
+            <a:endParaRPr lang="fi-FI"/>
+          </a:p>
+        </p:txBody>
+      </p:sp>
+      <p:pic>
+        <p:nvPicPr>
+          <p:cNvPr id="5" name="Content Placeholder 4">
+            <a:extLst>
+              <a:ext uri="{FF2B5EF4-FFF2-40B4-BE49-F238E27FC236}">
+                <a16:creationId xmlns:a16="http://schemas.microsoft.com/office/drawing/2014/main" id="{03E2B2C8-664F-48C2-BFBA-C9FC9AE2592D}"/>
+              </a:ext>
+            </a:extLst>
+          </p:cNvPr>
+          <p:cNvPicPr>
+            <a:picLocks noGrp="1" noChangeAspect="1"/>
+          </p:cNvPicPr>
+          <p:nvPr>
+            <p:ph idx="1"/>
+          </p:nvPr>
+        </p:nvPicPr>
+        <p:blipFill>
+          <a:blip r:embed="rId2">
+            <a:extLst>
+              <a:ext uri="{28A0092B-C50C-407E-A947-70E740481C1C}">
+                <a14:useLocalDpi xmlns:a14="http://schemas.microsoft.com/office/drawing/2010/main" val="0"/>
+              </a:ext>
+            </a:extLst>
+          </a:blip>
+          <a:stretch>
+            <a:fillRect/>
+          </a:stretch>
+        </p:blipFill>
+        <p:spPr>
+          <a:xfrm>
+            <a:off x="405610" y="1330960"/>
+            <a:ext cx="11532390" cy="5411815"/>
+          </a:xfrm>
+        </p:spPr>
+      </p:pic>
+    </p:spTree>
+    <p:extLst>
+      <p:ext uri="{BB962C8B-B14F-4D97-AF65-F5344CB8AC3E}">
+        <p14:creationId xmlns:p14="http://schemas.microsoft.com/office/powerpoint/2010/main" val="4000516778"/>
       </p:ext>
     </p:extLst>
   </p:cSld>
